--- a/gantt charts in ggplot.pptx
+++ b/gantt charts in ggplot.pptx
@@ -1,16 +1,16 @@
 
 <file path=ppt/presentation.xml><?xml version="1.0" encoding="utf-8"?>
-<p:presentation xmlns:a="http://schemas.openxmlformats.org/drawingml/2006/main" xmlns:r="http://schemas.openxmlformats.org/officeDocument/2006/relationships" xmlns:p="http://schemas.openxmlformats.org/presentationml/2006/main">
+<p:presentation xmlns:a="http://schemas.openxmlformats.org/drawingml/2006/main" xmlns:r="http://schemas.openxmlformats.org/officeDocument/2006/relationships" xmlns:p="http://schemas.openxmlformats.org/presentationml/2006/main" saveSubsetFonts="1">
   <p:sldMasterIdLst>
     <p:sldMasterId id="2147483648" r:id="rId1"/>
   </p:sldMasterIdLst>
   <p:sldIdLst>
-    <p:sldId id="257" r:id="rId3"/>
+    <p:sldId id="256" r:id="rId8"/>
   </p:sldIdLst>
   <p:sldSz cx="9144000" cy="6858000" type="screen4x3"/>
   <p:notesSz cx="6858000" cy="9144000"/>
   <p:custDataLst>
-    <p:tags r:id="rId7"/>
+    <p:tags r:id="rId3"/>
   </p:custDataLst>
   <p:defaultTextStyle>
     <a:defPPr>
@@ -291,6 +291,7 @@
           <a:p>
             <a:fld id="{E6744CE3-0875-4B69-89C0-6F72D8139561}" type="datetimeFigureOut">
               <a:rPr lang="en-GB" smtClean="0"/>
+              <a:t>26/05/17</a:t>
             </a:fld>
             <a:endParaRPr lang="en-GB"/>
           </a:p>
@@ -332,12 +333,18 @@
           <a:p>
             <a:fld id="{8DADB20D-508E-4C6D-A9E4-257D5607B0F6}" type="slidenum">
               <a:rPr lang="en-GB" smtClean="0"/>
+              <a:t>‹#›</a:t>
             </a:fld>
             <a:endParaRPr lang="en-GB"/>
           </a:p>
         </p:txBody>
       </p:sp>
     </p:spTree>
+    <p:extLst>
+      <p:ext uri="{BB962C8B-B14F-4D97-AF65-F5344CB8AC3E}">
+        <p14:creationId xmlns:p14="http://schemas.microsoft.com/office/powerpoint/2010/main" val="4214881138"/>
+      </p:ext>
+    </p:extLst>
   </p:cSld>
   <p:clrMapOvr>
     <a:masterClrMapping/>
@@ -405,7 +412,6 @@
               <a:rPr lang="en-US" smtClean="0"/>
               <a:t>Click to edit Master text styles</a:t>
             </a:r>
-            <a:endParaRPr lang="en-US" smtClean="0"/>
           </a:p>
           <a:p>
             <a:pPr lvl="1"/>
@@ -413,7 +419,6 @@
               <a:rPr lang="en-US" smtClean="0"/>
               <a:t>Second level</a:t>
             </a:r>
-            <a:endParaRPr lang="en-US" smtClean="0"/>
           </a:p>
           <a:p>
             <a:pPr lvl="2"/>
@@ -421,7 +426,6 @@
               <a:rPr lang="en-US" smtClean="0"/>
               <a:t>Third level</a:t>
             </a:r>
-            <a:endParaRPr lang="en-US" smtClean="0"/>
           </a:p>
           <a:p>
             <a:pPr lvl="3"/>
@@ -429,7 +433,6 @@
               <a:rPr lang="en-US" smtClean="0"/>
               <a:t>Fourth level</a:t>
             </a:r>
-            <a:endParaRPr lang="en-US" smtClean="0"/>
           </a:p>
           <a:p>
             <a:pPr lvl="4"/>
@@ -458,6 +461,7 @@
           <a:p>
             <a:fld id="{E6744CE3-0875-4B69-89C0-6F72D8139561}" type="datetimeFigureOut">
               <a:rPr lang="en-GB" smtClean="0"/>
+              <a:t>26/05/17</a:t>
             </a:fld>
             <a:endParaRPr lang="en-GB"/>
           </a:p>
@@ -499,12 +503,18 @@
           <a:p>
             <a:fld id="{8DADB20D-508E-4C6D-A9E4-257D5607B0F6}" type="slidenum">
               <a:rPr lang="en-GB" smtClean="0"/>
+              <a:t>‹#›</a:t>
             </a:fld>
             <a:endParaRPr lang="en-GB"/>
           </a:p>
         </p:txBody>
       </p:sp>
     </p:spTree>
+    <p:extLst>
+      <p:ext uri="{BB962C8B-B14F-4D97-AF65-F5344CB8AC3E}">
+        <p14:creationId xmlns:p14="http://schemas.microsoft.com/office/powerpoint/2010/main" val="271576982"/>
+      </p:ext>
+    </p:extLst>
   </p:cSld>
   <p:clrMapOvr>
     <a:masterClrMapping/>
@@ -677,7 +687,6 @@
               <a:rPr lang="en-US" smtClean="0"/>
               <a:t>Click to edit Master text styles</a:t>
             </a:r>
-            <a:endParaRPr lang="en-US" smtClean="0"/>
           </a:p>
         </p:txBody>
       </p:sp>
@@ -698,6 +707,7 @@
           <a:p>
             <a:fld id="{E6744CE3-0875-4B69-89C0-6F72D8139561}" type="datetimeFigureOut">
               <a:rPr lang="en-GB" smtClean="0"/>
+              <a:t>26/05/17</a:t>
             </a:fld>
             <a:endParaRPr lang="en-GB"/>
           </a:p>
@@ -739,12 +749,18 @@
           <a:p>
             <a:fld id="{8DADB20D-508E-4C6D-A9E4-257D5607B0F6}" type="slidenum">
               <a:rPr lang="en-GB" smtClean="0"/>
+              <a:t>‹#›</a:t>
             </a:fld>
             <a:endParaRPr lang="en-GB"/>
           </a:p>
         </p:txBody>
       </p:sp>
     </p:spTree>
+    <p:extLst>
+      <p:ext uri="{BB962C8B-B14F-4D97-AF65-F5344CB8AC3E}">
+        <p14:creationId xmlns:p14="http://schemas.microsoft.com/office/powerpoint/2010/main" val="1431545585"/>
+      </p:ext>
+    </p:extLst>
   </p:cSld>
   <p:clrMapOvr>
     <a:masterClrMapping/>
@@ -845,7 +861,6 @@
               <a:rPr lang="en-US" smtClean="0"/>
               <a:t>Click to edit Master text styles</a:t>
             </a:r>
-            <a:endParaRPr lang="en-US" smtClean="0"/>
           </a:p>
           <a:p>
             <a:pPr lvl="1"/>
@@ -853,7 +868,6 @@
               <a:rPr lang="en-US" smtClean="0"/>
               <a:t>Second level</a:t>
             </a:r>
-            <a:endParaRPr lang="en-US" smtClean="0"/>
           </a:p>
           <a:p>
             <a:pPr lvl="2"/>
@@ -861,7 +875,6 @@
               <a:rPr lang="en-US" smtClean="0"/>
               <a:t>Third level</a:t>
             </a:r>
-            <a:endParaRPr lang="en-US" smtClean="0"/>
           </a:p>
           <a:p>
             <a:pPr lvl="3"/>
@@ -869,7 +882,6 @@
               <a:rPr lang="en-US" smtClean="0"/>
               <a:t>Fourth level</a:t>
             </a:r>
-            <a:endParaRPr lang="en-US" smtClean="0"/>
           </a:p>
           <a:p>
             <a:pPr lvl="4"/>
@@ -934,7 +946,6 @@
               <a:rPr lang="en-US" smtClean="0"/>
               <a:t>Click to edit Master text styles</a:t>
             </a:r>
-            <a:endParaRPr lang="en-US" smtClean="0"/>
           </a:p>
           <a:p>
             <a:pPr lvl="1"/>
@@ -942,7 +953,6 @@
               <a:rPr lang="en-US" smtClean="0"/>
               <a:t>Second level</a:t>
             </a:r>
-            <a:endParaRPr lang="en-US" smtClean="0"/>
           </a:p>
           <a:p>
             <a:pPr lvl="2"/>
@@ -950,7 +960,6 @@
               <a:rPr lang="en-US" smtClean="0"/>
               <a:t>Third level</a:t>
             </a:r>
-            <a:endParaRPr lang="en-US" smtClean="0"/>
           </a:p>
           <a:p>
             <a:pPr lvl="3"/>
@@ -958,7 +967,6 @@
               <a:rPr lang="en-US" smtClean="0"/>
               <a:t>Fourth level</a:t>
             </a:r>
-            <a:endParaRPr lang="en-US" smtClean="0"/>
           </a:p>
           <a:p>
             <a:pPr lvl="4"/>
@@ -987,6 +995,7 @@
           <a:p>
             <a:fld id="{E6744CE3-0875-4B69-89C0-6F72D8139561}" type="datetimeFigureOut">
               <a:rPr lang="en-GB" smtClean="0"/>
+              <a:t>26/05/17</a:t>
             </a:fld>
             <a:endParaRPr lang="en-GB"/>
           </a:p>
@@ -1028,12 +1037,18 @@
           <a:p>
             <a:fld id="{8DADB20D-508E-4C6D-A9E4-257D5607B0F6}" type="slidenum">
               <a:rPr lang="en-GB" smtClean="0"/>
+              <a:t>‹#›</a:t>
             </a:fld>
             <a:endParaRPr lang="en-GB"/>
           </a:p>
         </p:txBody>
       </p:sp>
     </p:spTree>
+    <p:extLst>
+      <p:ext uri="{BB962C8B-B14F-4D97-AF65-F5344CB8AC3E}">
+        <p14:creationId xmlns:p14="http://schemas.microsoft.com/office/powerpoint/2010/main" val="468392282"/>
+      </p:ext>
+    </p:extLst>
   </p:cSld>
   <p:clrMapOvr>
     <a:masterClrMapping/>
@@ -1147,7 +1162,6 @@
               <a:rPr lang="en-US" smtClean="0"/>
               <a:t>Click to edit Master text styles</a:t>
             </a:r>
-            <a:endParaRPr lang="en-US" smtClean="0"/>
           </a:p>
         </p:txBody>
       </p:sp>
@@ -1204,7 +1218,6 @@
               <a:rPr lang="en-US" smtClean="0"/>
               <a:t>Click to edit Master text styles</a:t>
             </a:r>
-            <a:endParaRPr lang="en-US" smtClean="0"/>
           </a:p>
           <a:p>
             <a:pPr lvl="1"/>
@@ -1212,7 +1225,6 @@
               <a:rPr lang="en-US" smtClean="0"/>
               <a:t>Second level</a:t>
             </a:r>
-            <a:endParaRPr lang="en-US" smtClean="0"/>
           </a:p>
           <a:p>
             <a:pPr lvl="2"/>
@@ -1220,7 +1232,6 @@
               <a:rPr lang="en-US" smtClean="0"/>
               <a:t>Third level</a:t>
             </a:r>
-            <a:endParaRPr lang="en-US" smtClean="0"/>
           </a:p>
           <a:p>
             <a:pPr lvl="3"/>
@@ -1228,7 +1239,6 @@
               <a:rPr lang="en-US" smtClean="0"/>
               <a:t>Fourth level</a:t>
             </a:r>
-            <a:endParaRPr lang="en-US" smtClean="0"/>
           </a:p>
           <a:p>
             <a:pPr lvl="4"/>
@@ -1302,7 +1312,6 @@
               <a:rPr lang="en-US" smtClean="0"/>
               <a:t>Click to edit Master text styles</a:t>
             </a:r>
-            <a:endParaRPr lang="en-US" smtClean="0"/>
           </a:p>
         </p:txBody>
       </p:sp>
@@ -1359,7 +1368,6 @@
               <a:rPr lang="en-US" smtClean="0"/>
               <a:t>Click to edit Master text styles</a:t>
             </a:r>
-            <a:endParaRPr lang="en-US" smtClean="0"/>
           </a:p>
           <a:p>
             <a:pPr lvl="1"/>
@@ -1367,7 +1375,6 @@
               <a:rPr lang="en-US" smtClean="0"/>
               <a:t>Second level</a:t>
             </a:r>
-            <a:endParaRPr lang="en-US" smtClean="0"/>
           </a:p>
           <a:p>
             <a:pPr lvl="2"/>
@@ -1375,7 +1382,6 @@
               <a:rPr lang="en-US" smtClean="0"/>
               <a:t>Third level</a:t>
             </a:r>
-            <a:endParaRPr lang="en-US" smtClean="0"/>
           </a:p>
           <a:p>
             <a:pPr lvl="3"/>
@@ -1383,7 +1389,6 @@
               <a:rPr lang="en-US" smtClean="0"/>
               <a:t>Fourth level</a:t>
             </a:r>
-            <a:endParaRPr lang="en-US" smtClean="0"/>
           </a:p>
           <a:p>
             <a:pPr lvl="4"/>
@@ -1412,6 +1417,7 @@
           <a:p>
             <a:fld id="{E6744CE3-0875-4B69-89C0-6F72D8139561}" type="datetimeFigureOut">
               <a:rPr lang="en-GB" smtClean="0"/>
+              <a:t>26/05/17</a:t>
             </a:fld>
             <a:endParaRPr lang="en-GB"/>
           </a:p>
@@ -1453,12 +1459,18 @@
           <a:p>
             <a:fld id="{8DADB20D-508E-4C6D-A9E4-257D5607B0F6}" type="slidenum">
               <a:rPr lang="en-GB" smtClean="0"/>
+              <a:t>‹#›</a:t>
             </a:fld>
             <a:endParaRPr lang="en-GB"/>
           </a:p>
         </p:txBody>
       </p:sp>
     </p:spTree>
+    <p:extLst>
+      <p:ext uri="{BB962C8B-B14F-4D97-AF65-F5344CB8AC3E}">
+        <p14:creationId xmlns:p14="http://schemas.microsoft.com/office/powerpoint/2010/main" val="2120349123"/>
+      </p:ext>
+    </p:extLst>
   </p:cSld>
   <p:clrMapOvr>
     <a:masterClrMapping/>
@@ -1523,6 +1535,7 @@
           <a:p>
             <a:fld id="{E6744CE3-0875-4B69-89C0-6F72D8139561}" type="datetimeFigureOut">
               <a:rPr lang="en-GB" smtClean="0"/>
+              <a:t>26/05/17</a:t>
             </a:fld>
             <a:endParaRPr lang="en-GB"/>
           </a:p>
@@ -1564,12 +1577,18 @@
           <a:p>
             <a:fld id="{8DADB20D-508E-4C6D-A9E4-257D5607B0F6}" type="slidenum">
               <a:rPr lang="en-GB" smtClean="0"/>
+              <a:t>‹#›</a:t>
             </a:fld>
             <a:endParaRPr lang="en-GB"/>
           </a:p>
         </p:txBody>
       </p:sp>
     </p:spTree>
+    <p:extLst>
+      <p:ext uri="{BB962C8B-B14F-4D97-AF65-F5344CB8AC3E}">
+        <p14:creationId xmlns:p14="http://schemas.microsoft.com/office/powerpoint/2010/main" val="1385807973"/>
+      </p:ext>
+    </p:extLst>
   </p:cSld>
   <p:clrMapOvr>
     <a:masterClrMapping/>
@@ -1611,6 +1630,7 @@
           <a:p>
             <a:fld id="{E6744CE3-0875-4B69-89C0-6F72D8139561}" type="datetimeFigureOut">
               <a:rPr lang="en-GB" smtClean="0"/>
+              <a:t>26/05/17</a:t>
             </a:fld>
             <a:endParaRPr lang="en-GB"/>
           </a:p>
@@ -1652,12 +1672,18 @@
           <a:p>
             <a:fld id="{8DADB20D-508E-4C6D-A9E4-257D5607B0F6}" type="slidenum">
               <a:rPr lang="en-GB" smtClean="0"/>
+              <a:t>‹#›</a:t>
             </a:fld>
             <a:endParaRPr lang="en-GB"/>
           </a:p>
         </p:txBody>
       </p:sp>
     </p:spTree>
+    <p:extLst>
+      <p:ext uri="{BB962C8B-B14F-4D97-AF65-F5344CB8AC3E}">
+        <p14:creationId xmlns:p14="http://schemas.microsoft.com/office/powerpoint/2010/main" val="2755996059"/>
+      </p:ext>
+    </p:extLst>
   </p:cSld>
   <p:clrMapOvr>
     <a:masterClrMapping/>
@@ -1750,7 +1776,6 @@
               <a:rPr lang="en-US" smtClean="0"/>
               <a:t>Click to edit Master text styles</a:t>
             </a:r>
-            <a:endParaRPr lang="en-US" smtClean="0"/>
           </a:p>
           <a:p>
             <a:pPr lvl="1"/>
@@ -1758,7 +1783,6 @@
               <a:rPr lang="en-US" smtClean="0"/>
               <a:t>Second level</a:t>
             </a:r>
-            <a:endParaRPr lang="en-US" smtClean="0"/>
           </a:p>
           <a:p>
             <a:pPr lvl="2"/>
@@ -1766,7 +1790,6 @@
               <a:rPr lang="en-US" smtClean="0"/>
               <a:t>Third level</a:t>
             </a:r>
-            <a:endParaRPr lang="en-US" smtClean="0"/>
           </a:p>
           <a:p>
             <a:pPr lvl="3"/>
@@ -1774,7 +1797,6 @@
               <a:rPr lang="en-US" smtClean="0"/>
               <a:t>Fourth level</a:t>
             </a:r>
-            <a:endParaRPr lang="en-US" smtClean="0"/>
           </a:p>
           <a:p>
             <a:pPr lvl="4"/>
@@ -1821,6 +1843,7 @@
           <a:p>
             <a:fld id="{E6744CE3-0875-4B69-89C0-6F72D8139561}" type="datetimeFigureOut">
               <a:rPr lang="en-GB" smtClean="0"/>
+              <a:t>26/05/17</a:t>
             </a:fld>
             <a:endParaRPr lang="en-GB"/>
           </a:p>
@@ -1898,12 +1921,18 @@
           <a:p>
             <a:fld id="{8DADB20D-508E-4C6D-A9E4-257D5607B0F6}" type="slidenum">
               <a:rPr lang="en-GB" smtClean="0"/>
+              <a:t>‹#›</a:t>
             </a:fld>
             <a:endParaRPr lang="en-GB"/>
           </a:p>
         </p:txBody>
       </p:sp>
     </p:spTree>
+    <p:extLst>
+      <p:ext uri="{BB962C8B-B14F-4D97-AF65-F5344CB8AC3E}">
+        <p14:creationId xmlns:p14="http://schemas.microsoft.com/office/powerpoint/2010/main" val="307823620"/>
+      </p:ext>
+    </p:extLst>
   </p:cSld>
   <p:clrMap bg1="lt1" tx1="dk1" bg2="lt2" tx2="dk2" accent1="accent1" accent2="accent2" accent3="accent3" accent4="accent4" accent5="accent5" accent6="accent6" hlink="hlink" folHlink="folHlink"/>
   <p:sldLayoutIdLst>
@@ -2187,7 +2216,7 @@
       </p:grpSpPr>
       <p:pic>
         <p:nvPicPr>
-          <p:cNvPr id="2" name="Content Placeholder 1"/>
+          <p:cNvPr id="2" name="" descr=""/>
           <p:cNvPicPr>
             <a:picLocks noGrp="1"/>
           </p:cNvPicPr>
@@ -2196,7 +2225,7 @@
           </p:nvPr>
         </p:nvPicPr>
         <p:blipFill>
-          <a:blip r:embed="rId1" cstate="print"/>
+          <a:blip cstate="print" r:embed="rId2"/>
           <a:stretch>
             <a:fillRect/>
           </a:stretch>
@@ -2220,7 +2249,7 @@
 </file>
 
 <file path=ppt/tags/tag1.xml><?xml version="1.0" encoding="utf-8"?>
-<p:tagLst xmlns:p="http://schemas.openxmlformats.org/presentationml/2006/main">
+<p:tagLst xmlns:a="http://schemas.openxmlformats.org/drawingml/2006/main" xmlns:r="http://schemas.openxmlformats.org/officeDocument/2006/relationships" xmlns:p="http://schemas.openxmlformats.org/presentationml/2006/main">
   <p:tag name="_AMO_UNIQUEIDENTIFIER" val="Empty"/>
 </p:tagLst>
 </file>
@@ -2505,10 +2534,7 @@
       </a:bgFillStyleLst>
     </a:fmtScheme>
   </a:themeElements>
-  <a:extLst>
-    <a:ext uri="{05A4C25C-085E-4340-85A3-A5531E510DB2}">
-      <thm15:themeFamily xmlns:thm15="http://schemas.microsoft.com/office/thememl/2012/main" name="Office Theme" id="{62F939B6-93AF-4DB8-9C6B-D6C7DFDC589F}" vid="{4A3C46E8-61CC-4603-A589-7422A47A8E4A}"/>
-    </a:ext>
-  </a:extLst>
+  <a:objectDefaults/>
+  <a:extraClrSchemeLst/>
 </a:theme>
 </file>